--- a/Power BI..pptx
+++ b/Power BI..pptx
@@ -227,7 +227,7 @@
           <a:p>
             <a:fld id="{1D8BD707-D9CF-40AE-B4C6-C98DA3205C09}" type="datetimeFigureOut">
               <a:rPr lang="en-US"/>
-              <a:t>5/3/2025</a:t>
+              <a:t>5/5/2025</a:t>
             </a:fld>
             <a:endParaRPr lang="en-US"/>
           </a:p>
@@ -404,7 +404,7 @@
           <a:p>
             <a:fld id="{1D8BD707-D9CF-40AE-B4C6-C98DA3205C09}" type="datetimeFigureOut">
               <a:rPr lang="en-US"/>
-              <a:t>5/3/2025</a:t>
+              <a:t>5/5/2025</a:t>
             </a:fld>
             <a:endParaRPr lang="en-US"/>
           </a:p>
@@ -618,7 +618,7 @@
           <a:p>
             <a:fld id="{1D8BD707-D9CF-40AE-B4C6-C98DA3205C09}" type="datetimeFigureOut">
               <a:rPr lang="en-US"/>
-              <a:t>5/3/2025</a:t>
+              <a:t>5/5/2025</a:t>
             </a:fld>
             <a:endParaRPr lang="en-US"/>
           </a:p>
@@ -766,7 +766,7 @@
           <a:p>
             <a:fld id="{1D8BD707-D9CF-40AE-B4C6-C98DA3205C09}" type="datetimeFigureOut">
               <a:rPr lang="en-US"/>
-              <a:t>5/3/2025</a:t>
+              <a:t>5/5/2025</a:t>
             </a:fld>
             <a:endParaRPr lang="en-US"/>
           </a:p>
@@ -885,7 +885,7 @@
           <a:p>
             <a:fld id="{1D8BD707-D9CF-40AE-B4C6-C98DA3205C09}" type="datetimeFigureOut">
               <a:rPr lang="en-US"/>
-              <a:t>5/3/2025</a:t>
+              <a:t>5/5/2025</a:t>
             </a:fld>
             <a:endParaRPr lang="en-US"/>
           </a:p>
@@ -1078,7 +1078,7 @@
           <a:p>
             <a:fld id="{D764FFF8-0A32-4198-AEF2-E7E9A1591918}" type="datetimeFigureOut">
               <a:rPr lang="en-US" smtClean="0"/>
-              <a:t>5/3/2025</a:t>
+              <a:t>5/5/2025</a:t>
             </a:fld>
             <a:endParaRPr lang="en-US"/>
           </a:p>
@@ -1365,7 +1365,7 @@
           <a:p>
             <a:fld id="{1D8BD707-D9CF-40AE-B4C6-C98DA3205C09}" type="datetimeFigureOut">
               <a:rPr lang="en-US"/>
-              <a:t>5/3/2025</a:t>
+              <a:t>5/5/2025</a:t>
             </a:fld>
             <a:endParaRPr lang="en-US"/>
           </a:p>
@@ -1759,6 +1759,42 @@
           <a:xfrm>
             <a:off x="9560919" y="164880"/>
             <a:ext cx="1570709" cy="1730816"/>
+          </a:xfrm>
+          <a:prstGeom prst="rect">
+            <a:avLst/>
+          </a:prstGeom>
+        </p:spPr>
+      </p:pic>
+      <p:pic>
+        <p:nvPicPr>
+          <p:cNvPr id="6" name="Picture 5">
+            <a:extLst>
+              <a:ext uri="{FF2B5EF4-FFF2-40B4-BE49-F238E27FC236}">
+                <a16:creationId xmlns:a16="http://schemas.microsoft.com/office/drawing/2014/main" id="{F5299447-7468-DF18-154B-C61EDBAC0119}"/>
+              </a:ext>
+            </a:extLst>
+          </p:cNvPr>
+          <p:cNvPicPr>
+            <a:picLocks noChangeAspect="1"/>
+          </p:cNvPicPr>
+          <p:nvPr/>
+        </p:nvPicPr>
+        <p:blipFill>
+          <a:blip r:embed="rId4" cstate="print">
+            <a:extLst>
+              <a:ext uri="{28A0092B-C50C-407E-A947-70E740481C1C}">
+                <a14:useLocalDpi xmlns:a14="http://schemas.microsoft.com/office/drawing/2010/main" val="0"/>
+              </a:ext>
+            </a:extLst>
+          </a:blip>
+          <a:stretch>
+            <a:fillRect/>
+          </a:stretch>
+        </p:blipFill>
+        <p:spPr>
+          <a:xfrm>
+            <a:off x="9372543" y="4648200"/>
+            <a:ext cx="1272676" cy="1232713"/>
           </a:xfrm>
           <a:prstGeom prst="rect">
             <a:avLst/>
